--- a/classes/lesson-03/slides/03-web-based-data-collection-methods.pptx
+++ b/classes/lesson-03/slides/03-web-based-data-collection-methods.pptx
@@ -15090,7 +15090,7 @@
         <p:spPr>
           <a:xfrm>
             <a:off x="725443" y="1292775"/>
-            <a:ext cx="6763370" cy="3809999"/>
+            <a:ext cx="8559234" cy="3809999"/>
           </a:xfrm>
           <a:prstGeom prst="rect">
             <a:avLst/>
@@ -15130,7 +15130,7 @@
                 <a:cs typeface="Georgia"/>
                 <a:sym typeface="Georgia"/>
               </a:rPr>
-              <a:t>An webpage is like an XML document, in that it is a series of information between tags</a:t>
+              <a:t>An webpage is like an XML document, in that it is a series of information contained between tags</a:t>
             </a:r>
           </a:p>
           <a:p>
@@ -15556,7 +15556,7 @@
         </p:nvSpPr>
         <p:spPr>
           <a:xfrm>
-            <a:off x="867701" y="6322974"/>
+            <a:off x="462111" y="6322974"/>
             <a:ext cx="10858726" cy="501524"/>
           </a:xfrm>
           <a:prstGeom prst="rect">
@@ -15583,7 +15583,7 @@
                 <a:cs typeface="Georgia"/>
                 <a:sym typeface="Georgia"/>
               </a:rPr>
-              <a:t>      What the HTML looks like    |        What </a:t>
+              <a:t> What the HTML looks like    |        What </a:t>
             </a:r>
             <a:r>
               <a:rPr lang="en-US" sz="2400" i="1" dirty="0">
@@ -15655,8 +15655,8 @@
         </p:blipFill>
         <p:spPr>
           <a:xfrm>
-            <a:off x="2880851" y="2217537"/>
-            <a:ext cx="7243098" cy="2867425"/>
+            <a:off x="462111" y="1377676"/>
+            <a:ext cx="11962910" cy="4735922"/>
           </a:xfrm>
           <a:prstGeom prst="rect">
             <a:avLst/>
@@ -19344,6 +19344,7 @@
                 <a:solidFill>
                   <a:srgbClr val="FF0000"/>
                 </a:solidFill>
+                <a:latin typeface="News706 BT" panose="02040604050705020304" pitchFamily="18" charset="0"/>
               </a:rPr>
               <a:t>http://www.ctabustracker.com/bustime/api/v1/</a:t>
             </a:r>
@@ -19354,6 +19355,7 @@
                     <a:lumMod val="50000"/>
                   </a:schemeClr>
                 </a:solidFill>
+                <a:latin typeface="News706 BT" panose="02040604050705020304" pitchFamily="18" charset="0"/>
               </a:rPr>
               <a:t>getstops?</a:t>
             </a:r>
@@ -19362,6 +19364,7 @@
                 <a:solidFill>
                   <a:srgbClr val="00B050"/>
                 </a:solidFill>
+                <a:latin typeface="News706 BT" panose="02040604050705020304" pitchFamily="18" charset="0"/>
               </a:rPr>
               <a:t>key=UznMvHN96Q7DpAPu2YtZQgPQS&amp;</a:t>
             </a:r>
@@ -19370,6 +19373,7 @@
                 <a:solidFill>
                   <a:srgbClr val="7030A0"/>
                 </a:solidFill>
+                <a:latin typeface="News706 BT" panose="02040604050705020304" pitchFamily="18" charset="0"/>
               </a:rPr>
               <a:t>rt=77</a:t>
             </a:r>
@@ -19380,6 +19384,7 @@
                     <a:lumMod val="75000"/>
                   </a:schemeClr>
                 </a:solidFill>
+                <a:latin typeface="News706 BT" panose="02040604050705020304" pitchFamily="18" charset="0"/>
               </a:rPr>
               <a:t>&amp;dir=Eastbound</a:t>
             </a:r>
@@ -19391,6 +19396,7 @@
                   <a:lumMod val="75000"/>
                 </a:schemeClr>
               </a:solidFill>
+              <a:latin typeface="News706 BT" panose="02040604050705020304" pitchFamily="18" charset="0"/>
             </a:endParaRPr>
           </a:p>
           <a:p>
@@ -19399,6 +19405,7 @@
                 <a:solidFill>
                   <a:srgbClr val="FF0000"/>
                 </a:solidFill>
+                <a:latin typeface="News706 BT" panose="02040604050705020304" pitchFamily="18" charset="0"/>
               </a:rPr>
               <a:t>Connect to the API server</a:t>
             </a:r>
@@ -19411,6 +19418,7 @@
                     <a:lumMod val="75000"/>
                   </a:schemeClr>
                 </a:solidFill>
+                <a:latin typeface="News706 BT" panose="02040604050705020304" pitchFamily="18" charset="0"/>
               </a:rPr>
               <a:t>Describe the type of request (the bus stops)</a:t>
             </a:r>
@@ -19421,6 +19429,7 @@
                 <a:solidFill>
                   <a:srgbClr val="00B050"/>
                 </a:solidFill>
+                <a:latin typeface="News706 BT" panose="02040604050705020304" pitchFamily="18" charset="0"/>
               </a:rPr>
               <a:t>Login with your user API key</a:t>
             </a:r>
@@ -19431,6 +19440,7 @@
                 <a:solidFill>
                   <a:srgbClr val="7030A0"/>
                 </a:solidFill>
+                <a:latin typeface="News706 BT" panose="02040604050705020304" pitchFamily="18" charset="0"/>
               </a:rPr>
               <a:t>Ask for the stops for bus # “77” </a:t>
             </a:r>
@@ -19441,6 +19451,7 @@
                     <a:lumMod val="75000"/>
                   </a:schemeClr>
                 </a:solidFill>
+                <a:latin typeface="News706 BT" panose="02040604050705020304" pitchFamily="18" charset="0"/>
               </a:rPr>
               <a:t>going Eastbound</a:t>
             </a:r>
@@ -19450,6 +19461,7 @@
                   <a:lumMod val="75000"/>
                 </a:schemeClr>
               </a:solidFill>
+              <a:latin typeface="News706 BT" panose="02040604050705020304" pitchFamily="18" charset="0"/>
             </a:endParaRPr>
           </a:p>
         </p:txBody>
